--- a/Semester_1/IoT/2012  Shamoon malware attack on Saudi Aramco.pptx
+++ b/Semester_1/IoT/2012  Shamoon malware attack on Saudi Aramco.pptx
@@ -120,6 +120,43 @@
     </p:ext>
   </p:extLst>
 </p:presentation>
+</file>
+
+<file path=ppt/revisionInfo.xml><?xml version="1.0" encoding="utf-8"?>
+<p1510:revInfo xmlns:a="http://schemas.openxmlformats.org/drawingml/2006/main" xmlns:r="http://schemas.openxmlformats.org/officeDocument/2006/relationships" xmlns:p1510="http://schemas.microsoft.com/office/powerpoint/2015/10/main">
+  <p1510:revLst>
+    <p1510:client id="{4FAB0A5E-5C61-418F-B83B-9439C58C5408}" v="4" dt="2022-09-09T03:07:57.693"/>
+  </p1510:revLst>
+</p1510:revInfo>
+</file>
+
+<file path=ppt/changesInfos/changesInfo1.xml><?xml version="1.0" encoding="utf-8"?>
+<pc:chgInfo xmlns:a="http://schemas.openxmlformats.org/drawingml/2006/main" xmlns:r="http://schemas.openxmlformats.org/officeDocument/2006/relationships" xmlns:ac="http://schemas.microsoft.com/office/drawing/2013/main/command" xmlns:pc="http://schemas.microsoft.com/office/powerpoint/2013/main/command">
+  <pc:docChgLst>
+    <pc:chgData name="cavaniaustralia@gmail.com" userId="6c52d3732cfc9bae" providerId="LiveId" clId="{4FAB0A5E-5C61-418F-B83B-9439C58C5408}"/>
+    <pc:docChg chg="modSld">
+      <pc:chgData name="cavaniaustralia@gmail.com" userId="6c52d3732cfc9bae" providerId="LiveId" clId="{4FAB0A5E-5C61-418F-B83B-9439C58C5408}" dt="2022-09-09T03:07:57.685" v="3"/>
+      <pc:docMkLst>
+        <pc:docMk/>
+      </pc:docMkLst>
+      <pc:sldChg chg="modSp">
+        <pc:chgData name="cavaniaustralia@gmail.com" userId="6c52d3732cfc9bae" providerId="LiveId" clId="{4FAB0A5E-5C61-418F-B83B-9439C58C5408}" dt="2022-09-09T03:07:57.685" v="3"/>
+        <pc:sldMkLst>
+          <pc:docMk/>
+          <pc:sldMk cId="843216858" sldId="267"/>
+        </pc:sldMkLst>
+        <pc:graphicFrameChg chg="mod">
+          <ac:chgData name="cavaniaustralia@gmail.com" userId="6c52d3732cfc9bae" providerId="LiveId" clId="{4FAB0A5E-5C61-418F-B83B-9439C58C5408}" dt="2022-09-09T03:07:57.685" v="3"/>
+          <ac:graphicFrameMkLst>
+            <pc:docMk/>
+            <pc:sldMk cId="843216858" sldId="267"/>
+            <ac:graphicFrameMk id="4" creationId="{00791288-A44A-8F4E-A34F-6F5C0E9D2835}"/>
+          </ac:graphicFrameMkLst>
+        </pc:graphicFrameChg>
+      </pc:sldChg>
+    </pc:docChg>
+  </pc:docChgLst>
+</pc:chgInfo>
 </file>
 
 <file path=ppt/diagrams/colors1.xml><?xml version="1.0" encoding="utf-8"?>
@@ -2954,7 +2991,7 @@
       <dgm:spPr/>
     </dgm:pt>
     <dgm:pt modelId="{E99847B8-E7F2-FA44-9ECA-6EA6B314344B}" type="pres">
-      <dgm:prSet presAssocID="{5CB9DD90-0F57-D242-9F24-1706CA31E805}" presName="textRepeatNode" presStyleLbl="alignNode1" presStyleIdx="0" presStyleCnt="5" custLinFactX="64362" custLinFactY="-8794" custLinFactNeighborX="100000" custLinFactNeighborY="-100000">
+      <dgm:prSet presAssocID="{5CB9DD90-0F57-D242-9F24-1706CA31E805}" presName="textRepeatNode" presStyleLbl="alignNode1" presStyleIdx="0" presStyleCnt="5" custLinFactX="64362" custLinFactY="-8862" custLinFactNeighborX="100000" custLinFactNeighborY="-100000">
         <dgm:presLayoutVars>
           <dgm:chMax val="0"/>
           <dgm:chPref val="0"/>
@@ -2981,7 +3018,7 @@
       <dgm:spPr/>
     </dgm:pt>
     <dgm:pt modelId="{A103EF34-2878-6A4E-84D6-92693E0DF2F7}" type="pres">
-      <dgm:prSet presAssocID="{D2FD9E29-FC16-2040-A303-D7FE5FBEAD26}" presName="imageRepeatNode" presStyleLbl="alignAcc1" presStyleIdx="0" presStyleCnt="5" custLinFactNeighborX="-1253" custLinFactNeighborY="164"/>
+      <dgm:prSet presAssocID="{D2FD9E29-FC16-2040-A303-D7FE5FBEAD26}" presName="imageRepeatNode" presStyleLbl="alignAcc1" presStyleIdx="0" presStyleCnt="5" custLinFactNeighborY="-857"/>
       <dgm:spPr/>
     </dgm:pt>
     <dgm:pt modelId="{589FAC31-8AF3-404C-9795-7FF902BF701D}" type="pres">
@@ -3002,7 +3039,7 @@
       <dgm:spPr/>
     </dgm:pt>
     <dgm:pt modelId="{86B16675-0213-429C-A3B7-EE2BE8DBFE53}" type="pres">
-      <dgm:prSet presAssocID="{A93800DB-761C-4A64-A47F-2156979F370C}" presName="textRepeatNode" presStyleLbl="alignNode1" presStyleIdx="1" presStyleCnt="5" custLinFactX="61652" custLinFactNeighborX="100000" custLinFactNeighborY="-1726">
+      <dgm:prSet presAssocID="{A93800DB-761C-4A64-A47F-2156979F370C}" presName="textRepeatNode" presStyleLbl="alignNode1" presStyleIdx="1" presStyleCnt="5" custLinFactX="61652" custLinFactNeighborX="100000" custLinFactNeighborY="-3301">
         <dgm:presLayoutVars>
           <dgm:chMax val="0"/>
           <dgm:chPref val="0"/>
@@ -3077,7 +3114,7 @@
       <dgm:spPr/>
     </dgm:pt>
     <dgm:pt modelId="{11B7548E-222D-4570-AFA9-68EA35B37AAD}" type="pres">
-      <dgm:prSet presAssocID="{95B17824-3AAE-4EE3-B6D7-E6347FD50899}" presName="imageRepeatNode" presStyleLbl="alignAcc1" presStyleIdx="2" presStyleCnt="5" custLinFactX="61742" custLinFactNeighborX="100000" custLinFactNeighborY="5332"/>
+      <dgm:prSet presAssocID="{95B17824-3AAE-4EE3-B6D7-E6347FD50899}" presName="imageRepeatNode" presStyleLbl="alignAcc1" presStyleIdx="2" presStyleCnt="5" custLinFactX="61742" custLinFactNeighborX="100000" custLinFactNeighborY="5264"/>
       <dgm:spPr/>
     </dgm:pt>
     <dgm:pt modelId="{2FDD142D-DADE-4335-964A-7D20ED50E29E}" type="pres">
@@ -3098,7 +3135,7 @@
       <dgm:spPr/>
     </dgm:pt>
     <dgm:pt modelId="{15686765-0DCD-1E42-A21B-34B57E3B4F74}" type="pres">
-      <dgm:prSet presAssocID="{E6B31F13-3796-D54D-9589-BE3E6C74D499}" presName="textRepeatNode" presStyleLbl="alignNode1" presStyleIdx="3" presStyleCnt="5" custLinFactX="-74197" custLinFactNeighborX="-100000" custLinFactNeighborY="2402">
+      <dgm:prSet presAssocID="{E6B31F13-3796-D54D-9589-BE3E6C74D499}" presName="textRepeatNode" presStyleLbl="alignNode1" presStyleIdx="3" presStyleCnt="5" custLinFactX="-74197" custLinFactNeighborX="-100000" custLinFactNeighborY="1381">
         <dgm:presLayoutVars>
           <dgm:chMax val="0"/>
           <dgm:chPref val="0"/>
@@ -3146,7 +3183,7 @@
       <dgm:spPr/>
     </dgm:pt>
     <dgm:pt modelId="{8453E0F3-F7AB-DE4F-A0DE-10016F865804}" type="pres">
-      <dgm:prSet presAssocID="{74759A19-7C45-1D48-BCF3-9E5DA978A1B2}" presName="textRepeatNode" presStyleLbl="alignNode1" presStyleIdx="4" presStyleCnt="5" custLinFactX="-100000" custLinFactY="62110" custLinFactNeighborX="-160155" custLinFactNeighborY="100000">
+      <dgm:prSet presAssocID="{74759A19-7C45-1D48-BCF3-9E5DA978A1B2}" presName="textRepeatNode" presStyleLbl="alignNode1" presStyleIdx="4" presStyleCnt="5" custLinFactX="-100000" custLinFactY="59514" custLinFactNeighborX="-161056" custLinFactNeighborY="100000">
         <dgm:presLayoutVars>
           <dgm:chMax val="0"/>
           <dgm:chPref val="0"/>
@@ -3173,7 +3210,7 @@
       <dgm:spPr/>
     </dgm:pt>
     <dgm:pt modelId="{55D3DB81-738A-7942-8B93-697811591106}" type="pres">
-      <dgm:prSet presAssocID="{E4DCC368-53D7-3D49-AD85-1D7059397649}" presName="imageRepeatNode" presStyleLbl="alignAcc1" presStyleIdx="4" presStyleCnt="5" custLinFactX="-100000" custLinFactNeighborX="-162375" custLinFactNeighborY="53844"/>
+      <dgm:prSet presAssocID="{E4DCC368-53D7-3D49-AD85-1D7059397649}" presName="imageRepeatNode" presStyleLbl="alignAcc1" presStyleIdx="4" presStyleCnt="5" custLinFactX="-100000" custLinFactNeighborX="-163276" custLinFactNeighborY="51248"/>
       <dgm:spPr/>
     </dgm:pt>
     <dgm:pt modelId="{B297B2C8-37DA-440D-8B11-D54236F322F1}" type="pres">
@@ -4244,7 +4281,7 @@
       </dsp:nvSpPr>
       <dsp:spPr>
         <a:xfrm>
-          <a:off x="4982081" y="1761773"/>
+          <a:off x="4982081" y="1760612"/>
           <a:ext cx="1989513" cy="1708056"/>
         </a:xfrm>
         <a:prstGeom prst="hexagon">
@@ -4317,7 +4354,7 @@
         </a:p>
       </dsp:txBody>
       <dsp:txXfrm>
-        <a:off x="5290212" y="2026312"/>
+        <a:off x="5290212" y="2025151"/>
         <a:ext cx="1373251" cy="1178978"/>
       </dsp:txXfrm>
     </dsp:sp>
@@ -4364,7 +4401,7 @@
       </dsp:nvSpPr>
       <dsp:spPr>
         <a:xfrm>
-          <a:off x="0" y="2678564"/>
+          <a:off x="0" y="2661125"/>
           <a:ext cx="1989513" cy="1708056"/>
         </a:xfrm>
         <a:prstGeom prst="hexagon">
@@ -4453,7 +4490,7 @@
       </dsp:nvSpPr>
       <dsp:spPr>
         <a:xfrm>
-          <a:off x="6640244" y="2640826"/>
+          <a:off x="6640244" y="2613925"/>
           <a:ext cx="1989513" cy="1708056"/>
         </a:xfrm>
         <a:prstGeom prst="hexagon">
@@ -4526,7 +4563,7 @@
         </a:p>
       </dsp:txBody>
       <dsp:txXfrm>
-        <a:off x="6948375" y="2905365"/>
+        <a:off x="6948375" y="2878464"/>
         <a:ext cx="1373251" cy="1178978"/>
       </dsp:txXfrm>
     </dsp:sp>
@@ -4749,7 +4786,7 @@
       </dsp:nvSpPr>
       <dsp:spPr>
         <a:xfrm>
-          <a:off x="6642035" y="872835"/>
+          <a:off x="6642035" y="871674"/>
           <a:ext cx="1989513" cy="1708056"/>
         </a:xfrm>
         <a:prstGeom prst="hexagon">
@@ -4838,7 +4875,7 @@
       </dsp:nvSpPr>
       <dsp:spPr>
         <a:xfrm>
-          <a:off x="1669508" y="1768881"/>
+          <a:off x="1669508" y="1751441"/>
           <a:ext cx="1989513" cy="1708056"/>
         </a:xfrm>
         <a:prstGeom prst="hexagon">
@@ -4901,7 +4938,7 @@
         </a:p>
       </dsp:txBody>
       <dsp:txXfrm>
-        <a:off x="1977639" y="2033420"/>
+        <a:off x="1977639" y="2015980"/>
         <a:ext cx="1373251" cy="1178978"/>
       </dsp:txXfrm>
     </dsp:sp>
@@ -5020,7 +5057,7 @@
       </dsp:nvSpPr>
       <dsp:spPr>
         <a:xfrm>
-          <a:off x="1671440" y="3568877"/>
+          <a:off x="1653515" y="3524536"/>
           <a:ext cx="1989513" cy="1708056"/>
         </a:xfrm>
         <a:prstGeom prst="hexagon">
@@ -5087,7 +5124,7 @@
         </a:p>
       </dsp:txBody>
       <dsp:txXfrm>
-        <a:off x="1979571" y="3833416"/>
+        <a:off x="1961646" y="3789075"/>
         <a:ext cx="1373251" cy="1178978"/>
       </dsp:txXfrm>
     </dsp:sp>
@@ -5134,7 +5171,7 @@
       </dsp:nvSpPr>
       <dsp:spPr>
         <a:xfrm>
-          <a:off x="3339351" y="2672544"/>
+          <a:off x="3321426" y="2628203"/>
           <a:ext cx="1989513" cy="1708056"/>
         </a:xfrm>
         <a:prstGeom prst="hexagon">
@@ -12855,7 +12892,7 @@
           <a:p>
             <a:fld id="{B9744057-B990-47ED-A245-CD2D5F145A67}" type="datetimeFigureOut">
               <a:rPr lang="en-AU" smtClean="0"/>
-              <a:t>28/04/2022</a:t>
+              <a:t>9/09/2022</a:t>
             </a:fld>
             <a:endParaRPr lang="en-AU"/>
           </a:p>
@@ -13151,7 +13188,7 @@
           <a:p>
             <a:fld id="{B9744057-B990-47ED-A245-CD2D5F145A67}" type="datetimeFigureOut">
               <a:rPr lang="en-AU" smtClean="0"/>
-              <a:t>28/04/2022</a:t>
+              <a:t>9/09/2022</a:t>
             </a:fld>
             <a:endParaRPr lang="en-AU"/>
           </a:p>
@@ -13399,7 +13436,7 @@
           <a:p>
             <a:fld id="{B9744057-B990-47ED-A245-CD2D5F145A67}" type="datetimeFigureOut">
               <a:rPr lang="en-AU" smtClean="0"/>
-              <a:t>28/04/2022</a:t>
+              <a:t>9/09/2022</a:t>
             </a:fld>
             <a:endParaRPr lang="en-AU"/>
           </a:p>
@@ -13939,7 +13976,7 @@
           <a:p>
             <a:fld id="{B9744057-B990-47ED-A245-CD2D5F145A67}" type="datetimeFigureOut">
               <a:rPr lang="en-AU" smtClean="0"/>
-              <a:t>28/04/2022</a:t>
+              <a:t>9/09/2022</a:t>
             </a:fld>
             <a:endParaRPr lang="en-AU"/>
           </a:p>
@@ -14187,7 +14224,7 @@
           <a:p>
             <a:fld id="{B9744057-B990-47ED-A245-CD2D5F145A67}" type="datetimeFigureOut">
               <a:rPr lang="en-AU" smtClean="0"/>
-              <a:t>28/04/2022</a:t>
+              <a:t>9/09/2022</a:t>
             </a:fld>
             <a:endParaRPr lang="en-AU"/>
           </a:p>
@@ -14719,7 +14756,7 @@
           <a:p>
             <a:fld id="{B9744057-B990-47ED-A245-CD2D5F145A67}" type="datetimeFigureOut">
               <a:rPr lang="en-AU" smtClean="0"/>
-              <a:t>28/04/2022</a:t>
+              <a:t>9/09/2022</a:t>
             </a:fld>
             <a:endParaRPr lang="en-AU"/>
           </a:p>
@@ -15016,7 +15053,7 @@
           <a:p>
             <a:fld id="{B9744057-B990-47ED-A245-CD2D5F145A67}" type="datetimeFigureOut">
               <a:rPr lang="en-AU" smtClean="0"/>
-              <a:t>28/04/2022</a:t>
+              <a:t>9/09/2022</a:t>
             </a:fld>
             <a:endParaRPr lang="en-AU"/>
           </a:p>
@@ -15190,7 +15227,7 @@
           <a:p>
             <a:fld id="{B9744057-B990-47ED-A245-CD2D5F145A67}" type="datetimeFigureOut">
               <a:rPr lang="en-AU" smtClean="0"/>
-              <a:t>28/04/2022</a:t>
+              <a:t>9/09/2022</a:t>
             </a:fld>
             <a:endParaRPr lang="en-AU"/>
           </a:p>
@@ -15370,7 +15407,7 @@
           <a:p>
             <a:fld id="{B9744057-B990-47ED-A245-CD2D5F145A67}" type="datetimeFigureOut">
               <a:rPr lang="en-AU" smtClean="0"/>
-              <a:t>28/04/2022</a:t>
+              <a:t>9/09/2022</a:t>
             </a:fld>
             <a:endParaRPr lang="en-AU"/>
           </a:p>
@@ -15540,7 +15577,7 @@
           <a:p>
             <a:fld id="{B9744057-B990-47ED-A245-CD2D5F145A67}" type="datetimeFigureOut">
               <a:rPr lang="en-AU" smtClean="0"/>
-              <a:t>28/04/2022</a:t>
+              <a:t>9/09/2022</a:t>
             </a:fld>
             <a:endParaRPr lang="en-AU"/>
           </a:p>
@@ -15791,7 +15828,7 @@
           <a:p>
             <a:fld id="{B9744057-B990-47ED-A245-CD2D5F145A67}" type="datetimeFigureOut">
               <a:rPr lang="en-AU" smtClean="0"/>
-              <a:t>28/04/2022</a:t>
+              <a:t>9/09/2022</a:t>
             </a:fld>
             <a:endParaRPr lang="en-AU"/>
           </a:p>
@@ -16088,7 +16125,7 @@
           <a:p>
             <a:fld id="{B9744057-B990-47ED-A245-CD2D5F145A67}" type="datetimeFigureOut">
               <a:rPr lang="en-AU" smtClean="0"/>
-              <a:t>28/04/2022</a:t>
+              <a:t>9/09/2022</a:t>
             </a:fld>
             <a:endParaRPr lang="en-AU"/>
           </a:p>
@@ -16530,7 +16567,7 @@
           <a:p>
             <a:fld id="{B9744057-B990-47ED-A245-CD2D5F145A67}" type="datetimeFigureOut">
               <a:rPr lang="en-AU" smtClean="0"/>
-              <a:t>28/04/2022</a:t>
+              <a:t>9/09/2022</a:t>
             </a:fld>
             <a:endParaRPr lang="en-AU"/>
           </a:p>
@@ -16648,7 +16685,7 @@
           <a:p>
             <a:fld id="{B9744057-B990-47ED-A245-CD2D5F145A67}" type="datetimeFigureOut">
               <a:rPr lang="en-AU" smtClean="0"/>
-              <a:t>28/04/2022</a:t>
+              <a:t>9/09/2022</a:t>
             </a:fld>
             <a:endParaRPr lang="en-AU"/>
           </a:p>
@@ -16743,7 +16780,7 @@
           <a:p>
             <a:fld id="{B9744057-B990-47ED-A245-CD2D5F145A67}" type="datetimeFigureOut">
               <a:rPr lang="en-AU" smtClean="0"/>
-              <a:t>28/04/2022</a:t>
+              <a:t>9/09/2022</a:t>
             </a:fld>
             <a:endParaRPr lang="en-AU"/>
           </a:p>
@@ -17026,7 +17063,7 @@
           <a:p>
             <a:fld id="{B9744057-B990-47ED-A245-CD2D5F145A67}" type="datetimeFigureOut">
               <a:rPr lang="en-AU" smtClean="0"/>
-              <a:t>28/04/2022</a:t>
+              <a:t>9/09/2022</a:t>
             </a:fld>
             <a:endParaRPr lang="en-AU"/>
           </a:p>
@@ -17317,7 +17354,7 @@
           <a:p>
             <a:fld id="{B9744057-B990-47ED-A245-CD2D5F145A67}" type="datetimeFigureOut">
               <a:rPr lang="en-AU" smtClean="0"/>
-              <a:t>28/04/2022</a:t>
+              <a:t>9/09/2022</a:t>
             </a:fld>
             <a:endParaRPr lang="en-AU"/>
           </a:p>
@@ -17847,7 +17884,7 @@
           <a:p>
             <a:fld id="{B9744057-B990-47ED-A245-CD2D5F145A67}" type="datetimeFigureOut">
               <a:rPr lang="en-AU" smtClean="0"/>
-              <a:t>28/04/2022</a:t>
+              <a:t>9/09/2022</a:t>
             </a:fld>
             <a:endParaRPr lang="en-AU"/>
           </a:p>
@@ -22089,7 +22126,7 @@
           <p:nvPr>
             <p:extLst>
               <p:ext uri="{D42A27DB-BD31-4B8C-83A1-F6EECF244321}">
-                <p14:modId xmlns:p14="http://schemas.microsoft.com/office/powerpoint/2010/main" val="975889300"/>
+                <p14:modId xmlns:p14="http://schemas.microsoft.com/office/powerpoint/2010/main" val="3364710146"/>
               </p:ext>
             </p:extLst>
           </p:nvPr>
@@ -25387,6 +25424,12 @@
 </file>
 
 <file path=customXml/item1.xml><?xml version="1.0" encoding="utf-8"?>
+<p:properties xmlns:p="http://schemas.microsoft.com/office/2006/metadata/properties" xmlns:xsi="http://www.w3.org/2001/XMLSchema-instance" xmlns:pc="http://schemas.microsoft.com/office/infopath/2007/PartnerControls">
+  <documentManagement/>
+</p:properties>
+</file>
+
+<file path=customXml/item2.xml><?xml version="1.0" encoding="utf-8"?>
 <ct:contentTypeSchema xmlns:ct="http://schemas.microsoft.com/office/2006/metadata/contentType" xmlns:ma="http://schemas.microsoft.com/office/2006/metadata/properties/metaAttributes" ct:_="" ma:_="" ma:contentTypeName="Document" ma:contentTypeID="0x0101005B686D4B0F6E3A429612B0F7C75BE564" ma:contentTypeVersion="4" ma:contentTypeDescription="Create a new document." ma:contentTypeScope="" ma:versionID="b9774ff7e0575f2706677535c7516d73">
   <xsd:schema xmlns:xsd="http://www.w3.org/2001/XMLSchema" xmlns:xs="http://www.w3.org/2001/XMLSchema" xmlns:p="http://schemas.microsoft.com/office/2006/metadata/properties" xmlns:ns3="3a4c215a-dba7-4b61-9e2c-a7281e2de30a" targetNamespace="http://schemas.microsoft.com/office/2006/metadata/properties" ma:root="true" ma:fieldsID="f18dc22962c5f92ee83c79edcb87097d" ns3:_="">
     <xsd:import namespace="3a4c215a-dba7-4b61-9e2c-a7281e2de30a"/>
@@ -25532,12 +25575,6 @@
 </ct:contentTypeSchema>
 </file>
 
-<file path=customXml/item2.xml><?xml version="1.0" encoding="utf-8"?>
-<p:properties xmlns:p="http://schemas.microsoft.com/office/2006/metadata/properties" xmlns:xsi="http://www.w3.org/2001/XMLSchema-instance" xmlns:pc="http://schemas.microsoft.com/office/infopath/2007/PartnerControls">
-  <documentManagement/>
-</p:properties>
-</file>
-
 <file path=customXml/item3.xml><?xml version="1.0" encoding="utf-8"?>
 <?mso-contentType ?>
 <FormTemplates xmlns="http://schemas.microsoft.com/sharepoint/v3/contenttype/forms">
@@ -25548,6 +25585,22 @@
 </file>
 
 <file path=customXml/itemProps1.xml><?xml version="1.0" encoding="utf-8"?>
+<ds:datastoreItem xmlns:ds="http://schemas.openxmlformats.org/officeDocument/2006/customXml" ds:itemID="{FC1935F8-75E7-4336-BB67-E7F77A7AEBE5}">
+  <ds:schemaRefs>
+    <ds:schemaRef ds:uri="http://purl.org/dc/dcmitype/"/>
+    <ds:schemaRef ds:uri="http://purl.org/dc/elements/1.1/"/>
+    <ds:schemaRef ds:uri="3a4c215a-dba7-4b61-9e2c-a7281e2de30a"/>
+    <ds:schemaRef ds:uri="http://schemas.microsoft.com/office/2006/documentManagement/types"/>
+    <ds:schemaRef ds:uri="http://schemas.microsoft.com/office/infopath/2007/PartnerControls"/>
+    <ds:schemaRef ds:uri="http://schemas.openxmlformats.org/package/2006/metadata/core-properties"/>
+    <ds:schemaRef ds:uri="http://schemas.microsoft.com/office/2006/metadata/properties"/>
+    <ds:schemaRef ds:uri="http://www.w3.org/XML/1998/namespace"/>
+    <ds:schemaRef ds:uri="http://purl.org/dc/terms/"/>
+  </ds:schemaRefs>
+</ds:datastoreItem>
+</file>
+
+<file path=customXml/itemProps2.xml><?xml version="1.0" encoding="utf-8"?>
 <ds:datastoreItem xmlns:ds="http://schemas.openxmlformats.org/officeDocument/2006/customXml" ds:itemID="{32863563-FB7C-4E39-8166-225918DEBE7B}">
   <ds:schemaRefs>
     <ds:schemaRef ds:uri="http://schemas.microsoft.com/office/2006/metadata/contentType"/>
@@ -25565,22 +25618,6 @@
 </ds:datastoreItem>
 </file>
 
-<file path=customXml/itemProps2.xml><?xml version="1.0" encoding="utf-8"?>
-<ds:datastoreItem xmlns:ds="http://schemas.openxmlformats.org/officeDocument/2006/customXml" ds:itemID="{FC1935F8-75E7-4336-BB67-E7F77A7AEBE5}">
-  <ds:schemaRefs>
-    <ds:schemaRef ds:uri="http://purl.org/dc/dcmitype/"/>
-    <ds:schemaRef ds:uri="http://purl.org/dc/elements/1.1/"/>
-    <ds:schemaRef ds:uri="3a4c215a-dba7-4b61-9e2c-a7281e2de30a"/>
-    <ds:schemaRef ds:uri="http://schemas.microsoft.com/office/2006/documentManagement/types"/>
-    <ds:schemaRef ds:uri="http://schemas.microsoft.com/office/infopath/2007/PartnerControls"/>
-    <ds:schemaRef ds:uri="http://schemas.openxmlformats.org/package/2006/metadata/core-properties"/>
-    <ds:schemaRef ds:uri="http://schemas.microsoft.com/office/2006/metadata/properties"/>
-    <ds:schemaRef ds:uri="http://www.w3.org/XML/1998/namespace"/>
-    <ds:schemaRef ds:uri="http://purl.org/dc/terms/"/>
-  </ds:schemaRefs>
-</ds:datastoreItem>
-</file>
-
 <file path=customXml/itemProps3.xml><?xml version="1.0" encoding="utf-8"?>
 <ds:datastoreItem xmlns:ds="http://schemas.openxmlformats.org/officeDocument/2006/customXml" ds:itemID="{C47F64AC-C402-40E0-87C1-6710ED39849E}">
   <ds:schemaRefs>
